--- a/2024.3.27_组会/RNN.pptx
+++ b/2024.3.27_组会/RNN.pptx
@@ -5,7 +5,7 @@
     <p:sldMasterId id="2147483648" r:id="rId1"/>
   </p:sldMasterIdLst>
   <p:notesMasterIdLst>
-    <p:notesMasterId r:id="rId9"/>
+    <p:notesMasterId r:id="rId11"/>
   </p:notesMasterIdLst>
   <p:sldIdLst>
     <p:sldId id="258" r:id="rId2"/>
@@ -13,13 +13,15 @@
     <p:sldId id="281" r:id="rId4"/>
     <p:sldId id="282" r:id="rId5"/>
     <p:sldId id="259" r:id="rId6"/>
-    <p:sldId id="283" r:id="rId7"/>
-    <p:sldId id="284" r:id="rId8"/>
+    <p:sldId id="285" r:id="rId7"/>
+    <p:sldId id="286" r:id="rId8"/>
+    <p:sldId id="283" r:id="rId9"/>
+    <p:sldId id="284" r:id="rId10"/>
   </p:sldIdLst>
   <p:sldSz cx="12192000" cy="6858000"/>
   <p:notesSz cx="6858000" cy="9144000"/>
   <p:custDataLst>
-    <p:tags r:id="rId10"/>
+    <p:tags r:id="rId12"/>
   </p:custDataLst>
   <p:defaultTextStyle>
     <a:defPPr>
@@ -1019,6 +1021,11 @@
         </p:txBody>
       </p:sp>
     </p:spTree>
+    <p:extLst>
+      <p:ext uri="{BB962C8B-B14F-4D97-AF65-F5344CB8AC3E}">
+        <p14:creationId xmlns:p14="http://schemas.microsoft.com/office/powerpoint/2010/main" val="674150950"/>
+      </p:ext>
+    </p:extLst>
   </p:cSld>
   <p:clrMapOvr>
     <a:masterClrMapping/>
@@ -1119,6 +1126,247 @@
                 <a:ea typeface="微软雅黑" panose="020B0503020204020204" charset="-122"/>
               </a:rPr>
               <a:t>7</a:t>
+            </a:fld>
+            <a:endParaRPr kumimoji="0" lang="zh-CN" altLang="en-US" sz="1200" b="0" i="0" u="none" strike="noStrike" kern="1200" cap="none" spc="0" normalizeH="0" baseline="0" noProof="0">
+              <a:ln>
+                <a:noFill/>
+              </a:ln>
+              <a:solidFill>
+                <a:prstClr val="black"/>
+              </a:solidFill>
+              <a:effectLst/>
+              <a:uLnTx/>
+              <a:uFillTx/>
+              <a:latin typeface="Calibri" panose="020F0502020204030204" charset="0"/>
+              <a:ea typeface="微软雅黑" panose="020B0503020204020204" charset="-122"/>
+            </a:endParaRPr>
+          </a:p>
+        </p:txBody>
+      </p:sp>
+    </p:spTree>
+    <p:extLst>
+      <p:ext uri="{BB962C8B-B14F-4D97-AF65-F5344CB8AC3E}">
+        <p14:creationId xmlns:p14="http://schemas.microsoft.com/office/powerpoint/2010/main" val="667574914"/>
+      </p:ext>
+    </p:extLst>
+  </p:cSld>
+  <p:clrMapOvr>
+    <a:masterClrMapping/>
+  </p:clrMapOvr>
+</p:notes>
+</file>
+
+<file path=ppt/notesSlides/notesSlide8.xml><?xml version="1.0" encoding="utf-8"?>
+<p:notes xmlns:a="http://schemas.openxmlformats.org/drawingml/2006/main" xmlns:r="http://schemas.openxmlformats.org/officeDocument/2006/relationships" xmlns:p="http://schemas.openxmlformats.org/presentationml/2006/main">
+  <p:cSld>
+    <p:spTree>
+      <p:nvGrpSpPr>
+        <p:cNvPr id="1" name=""/>
+        <p:cNvGrpSpPr/>
+        <p:nvPr/>
+      </p:nvGrpSpPr>
+      <p:grpSpPr>
+        <a:xfrm>
+          <a:off x="0" y="0"/>
+          <a:ext cx="0" cy="0"/>
+          <a:chOff x="0" y="0"/>
+          <a:chExt cx="0" cy="0"/>
+        </a:xfrm>
+      </p:grpSpPr>
+      <p:sp>
+        <p:nvSpPr>
+          <p:cNvPr id="2" name="幻灯片图像占位符 1"/>
+          <p:cNvSpPr>
+            <a:spLocks noGrp="1" noRot="1" noChangeAspect="1"/>
+          </p:cNvSpPr>
+          <p:nvPr>
+            <p:ph type="sldImg"/>
+          </p:nvPr>
+        </p:nvSpPr>
+        <p:spPr/>
+      </p:sp>
+      <p:sp>
+        <p:nvSpPr>
+          <p:cNvPr id="3" name="备注占位符 2"/>
+          <p:cNvSpPr>
+            <a:spLocks noGrp="1"/>
+          </p:cNvSpPr>
+          <p:nvPr>
+            <p:ph type="body" idx="1"/>
+          </p:nvPr>
+        </p:nvSpPr>
+        <p:spPr/>
+        <p:txBody>
+          <a:bodyPr/>
+          <a:lstStyle/>
+          <a:p>
+            <a:endParaRPr lang="zh-CN" altLang="en-US"/>
+          </a:p>
+        </p:txBody>
+      </p:sp>
+      <p:sp>
+        <p:nvSpPr>
+          <p:cNvPr id="4" name="灯片编号占位符 3"/>
+          <p:cNvSpPr>
+            <a:spLocks noGrp="1"/>
+          </p:cNvSpPr>
+          <p:nvPr>
+            <p:ph type="sldNum" sz="quarter" idx="10"/>
+          </p:nvPr>
+        </p:nvSpPr>
+        <p:spPr/>
+        <p:txBody>
+          <a:bodyPr/>
+          <a:lstStyle/>
+          <a:p>
+            <a:pPr marL="0" marR="0" lvl="0" indent="0" algn="r" defTabSz="914400" eaLnBrk="0" fontAlgn="base" latinLnBrk="0" hangingPunct="0">
+              <a:lnSpc>
+                <a:spcPct val="100000"/>
+              </a:lnSpc>
+              <a:spcBef>
+                <a:spcPct val="0"/>
+              </a:spcBef>
+              <a:spcAft>
+                <a:spcPct val="0"/>
+              </a:spcAft>
+              <a:buClrTx/>
+              <a:buSzTx/>
+              <a:buFontTx/>
+              <a:buNone/>
+            </a:pPr>
+            <a:fld id="{39AD698A-D66C-4FA1-BBD8-F72AE9E6E751}" type="slidenum">
+              <a:rPr kumimoji="0" lang="zh-CN" altLang="en-US" sz="1200" b="0" i="0" u="none" strike="noStrike" kern="1200" cap="none" spc="0" normalizeH="0" baseline="0" noProof="0" smtClean="0">
+                <a:ln>
+                  <a:noFill/>
+                </a:ln>
+                <a:solidFill>
+                  <a:prstClr val="black"/>
+                </a:solidFill>
+                <a:effectLst/>
+                <a:uLnTx/>
+                <a:uFillTx/>
+                <a:latin typeface="Calibri" panose="020F0502020204030204" charset="0"/>
+                <a:ea typeface="微软雅黑" panose="020B0503020204020204" charset="-122"/>
+              </a:rPr>
+              <a:t>8</a:t>
+            </a:fld>
+            <a:endParaRPr kumimoji="0" lang="zh-CN" altLang="en-US" sz="1200" b="0" i="0" u="none" strike="noStrike" kern="1200" cap="none" spc="0" normalizeH="0" baseline="0" noProof="0">
+              <a:ln>
+                <a:noFill/>
+              </a:ln>
+              <a:solidFill>
+                <a:prstClr val="black"/>
+              </a:solidFill>
+              <a:effectLst/>
+              <a:uLnTx/>
+              <a:uFillTx/>
+              <a:latin typeface="Calibri" panose="020F0502020204030204" charset="0"/>
+              <a:ea typeface="微软雅黑" panose="020B0503020204020204" charset="-122"/>
+            </a:endParaRPr>
+          </a:p>
+        </p:txBody>
+      </p:sp>
+    </p:spTree>
+  </p:cSld>
+  <p:clrMapOvr>
+    <a:masterClrMapping/>
+  </p:clrMapOvr>
+</p:notes>
+</file>
+
+<file path=ppt/notesSlides/notesSlide9.xml><?xml version="1.0" encoding="utf-8"?>
+<p:notes xmlns:a="http://schemas.openxmlformats.org/drawingml/2006/main" xmlns:r="http://schemas.openxmlformats.org/officeDocument/2006/relationships" xmlns:p="http://schemas.openxmlformats.org/presentationml/2006/main">
+  <p:cSld>
+    <p:spTree>
+      <p:nvGrpSpPr>
+        <p:cNvPr id="1" name=""/>
+        <p:cNvGrpSpPr/>
+        <p:nvPr/>
+      </p:nvGrpSpPr>
+      <p:grpSpPr>
+        <a:xfrm>
+          <a:off x="0" y="0"/>
+          <a:ext cx="0" cy="0"/>
+          <a:chOff x="0" y="0"/>
+          <a:chExt cx="0" cy="0"/>
+        </a:xfrm>
+      </p:grpSpPr>
+      <p:sp>
+        <p:nvSpPr>
+          <p:cNvPr id="2" name="幻灯片图像占位符 1"/>
+          <p:cNvSpPr>
+            <a:spLocks noGrp="1" noRot="1" noChangeAspect="1"/>
+          </p:cNvSpPr>
+          <p:nvPr>
+            <p:ph type="sldImg"/>
+          </p:nvPr>
+        </p:nvSpPr>
+        <p:spPr/>
+      </p:sp>
+      <p:sp>
+        <p:nvSpPr>
+          <p:cNvPr id="3" name="备注占位符 2"/>
+          <p:cNvSpPr>
+            <a:spLocks noGrp="1"/>
+          </p:cNvSpPr>
+          <p:nvPr>
+            <p:ph type="body" idx="1"/>
+          </p:nvPr>
+        </p:nvSpPr>
+        <p:spPr/>
+        <p:txBody>
+          <a:bodyPr/>
+          <a:lstStyle/>
+          <a:p>
+            <a:endParaRPr lang="zh-CN" altLang="en-US"/>
+          </a:p>
+        </p:txBody>
+      </p:sp>
+      <p:sp>
+        <p:nvSpPr>
+          <p:cNvPr id="4" name="灯片编号占位符 3"/>
+          <p:cNvSpPr>
+            <a:spLocks noGrp="1"/>
+          </p:cNvSpPr>
+          <p:nvPr>
+            <p:ph type="sldNum" sz="quarter" idx="10"/>
+          </p:nvPr>
+        </p:nvSpPr>
+        <p:spPr/>
+        <p:txBody>
+          <a:bodyPr/>
+          <a:lstStyle/>
+          <a:p>
+            <a:pPr marL="0" marR="0" lvl="0" indent="0" algn="r" defTabSz="914400" eaLnBrk="0" fontAlgn="base" latinLnBrk="0" hangingPunct="0">
+              <a:lnSpc>
+                <a:spcPct val="100000"/>
+              </a:lnSpc>
+              <a:spcBef>
+                <a:spcPct val="0"/>
+              </a:spcBef>
+              <a:spcAft>
+                <a:spcPct val="0"/>
+              </a:spcAft>
+              <a:buClrTx/>
+              <a:buSzTx/>
+              <a:buFontTx/>
+              <a:buNone/>
+            </a:pPr>
+            <a:fld id="{39AD698A-D66C-4FA1-BBD8-F72AE9E6E751}" type="slidenum">
+              <a:rPr kumimoji="0" lang="zh-CN" altLang="en-US" sz="1200" b="0" i="0" u="none" strike="noStrike" kern="1200" cap="none" spc="0" normalizeH="0" baseline="0" noProof="0" smtClean="0">
+                <a:ln>
+                  <a:noFill/>
+                </a:ln>
+                <a:solidFill>
+                  <a:prstClr val="black"/>
+                </a:solidFill>
+                <a:effectLst/>
+                <a:uLnTx/>
+                <a:uFillTx/>
+                <a:latin typeface="Calibri" panose="020F0502020204030204" charset="0"/>
+                <a:ea typeface="微软雅黑" panose="020B0503020204020204" charset="-122"/>
+              </a:rPr>
+              <a:t>9</a:t>
             </a:fld>
             <a:endParaRPr kumimoji="0" lang="zh-CN" altLang="en-US" sz="1200" b="0" i="0" u="none" strike="noStrike" kern="1200" cap="none" spc="0" normalizeH="0" baseline="0" noProof="0">
               <a:ln>
@@ -9465,6 +9713,381 @@
 <file path=ppt/slides/slide6.xml><?xml version="1.0" encoding="utf-8"?>
 <p:sld xmlns:a="http://schemas.openxmlformats.org/drawingml/2006/main" xmlns:r="http://schemas.openxmlformats.org/officeDocument/2006/relationships" xmlns:p="http://schemas.openxmlformats.org/presentationml/2006/main">
   <p:cSld>
+    <p:bg>
+      <p:bgPr>
+        <a:solidFill>
+          <a:schemeClr val="bg1"/>
+        </a:solidFill>
+        <a:effectLst/>
+      </p:bgPr>
+    </p:bg>
+    <p:spTree>
+      <p:nvGrpSpPr>
+        <p:cNvPr id="1" name=""/>
+        <p:cNvGrpSpPr/>
+        <p:nvPr/>
+      </p:nvGrpSpPr>
+      <p:grpSpPr>
+        <a:xfrm>
+          <a:off x="0" y="0"/>
+          <a:ext cx="0" cy="0"/>
+          <a:chOff x="0" y="0"/>
+          <a:chExt cx="0" cy="0"/>
+        </a:xfrm>
+      </p:grpSpPr>
+      <p:sp>
+        <p:nvSpPr>
+          <p:cNvPr id="10" name="Down Arrow 7">
+            <a:extLst>
+              <a:ext uri="{FF2B5EF4-FFF2-40B4-BE49-F238E27FC236}">
+                <a16:creationId xmlns:a16="http://schemas.microsoft.com/office/drawing/2014/main" id="{D4771268-CB57-404A-9271-370EB28F6090}"/>
+              </a:ext>
+              <a:ext uri="{C183D7F6-B498-43B3-948B-1728B52AA6E4}">
+                <adec:decorative xmlns:adec="http://schemas.microsoft.com/office/drawing/2017/decorative" val="1"/>
+              </a:ext>
+            </a:extLst>
+          </p:cNvPr>
+          <p:cNvSpPr>
+            <a:spLocks noGrp="1" noRot="1" noChangeAspect="1" noMove="1" noResize="1" noEditPoints="1" noAdjustHandles="1" noChangeArrowheads="1" noChangeShapeType="1" noTextEdit="1"/>
+          </p:cNvSpPr>
+          <p:nvPr>
+            <p:extLst>
+              <p:ext uri="{386F3935-93C4-4BCD-93E2-E3B085C9AB24}">
+                <p16:designElem xmlns:p16="http://schemas.microsoft.com/office/powerpoint/2015/main" val="1"/>
+              </p:ext>
+            </p:extLst>
+          </p:nvPr>
+        </p:nvSpPr>
+        <p:spPr>
+          <a:xfrm rot="16200000">
+            <a:off x="800100" y="1491343"/>
+            <a:ext cx="3333749" cy="3499103"/>
+          </a:xfrm>
+          <a:prstGeom prst="downArrow">
+            <a:avLst>
+              <a:gd name="adj1" fmla="val 100000"/>
+              <a:gd name="adj2" fmla="val 15788"/>
+            </a:avLst>
+          </a:prstGeom>
+          <a:solidFill>
+            <a:srgbClr val="404040"/>
+          </a:solidFill>
+          <a:ln w="53975">
+            <a:noFill/>
+          </a:ln>
+        </p:spPr>
+        <p:style>
+          <a:lnRef idx="2">
+            <a:schemeClr val="accent1">
+              <a:shade val="50000"/>
+            </a:schemeClr>
+          </a:lnRef>
+          <a:fillRef idx="1">
+            <a:schemeClr val="accent1"/>
+          </a:fillRef>
+          <a:effectRef idx="0">
+            <a:schemeClr val="accent1"/>
+          </a:effectRef>
+          <a:fontRef idx="minor">
+            <a:schemeClr val="lt1"/>
+          </a:fontRef>
+        </p:style>
+        <p:txBody>
+          <a:bodyPr rtlCol="0" anchor="ctr"/>
+          <a:lstStyle/>
+          <a:p>
+            <a:pPr algn="ctr"/>
+            <a:endParaRPr lang="en-US"/>
+          </a:p>
+        </p:txBody>
+      </p:sp>
+      <p:sp>
+        <p:nvSpPr>
+          <p:cNvPr id="2" name="标题 1"/>
+          <p:cNvSpPr>
+            <a:spLocks noGrp="1"/>
+          </p:cNvSpPr>
+          <p:nvPr>
+            <p:ph type="title"/>
+            <p:custDataLst>
+              <p:tags r:id="rId2"/>
+            </p:custDataLst>
+          </p:nvPr>
+        </p:nvSpPr>
+        <p:spPr>
+          <a:xfrm>
+            <a:off x="1028700" y="1967266"/>
+            <a:ext cx="2628900" cy="2547257"/>
+          </a:xfrm>
+          <a:noFill/>
+        </p:spPr>
+        <p:txBody>
+          <a:bodyPr vert="horz" lIns="91440" tIns="45720" rIns="91440" bIns="45720" rtlCol="0" anchor="ctr">
+            <a:normAutofit/>
+          </a:bodyPr>
+          <a:lstStyle/>
+          <a:p>
+            <a:pPr algn="ctr">
+              <a:lnSpc>
+                <a:spcPct val="90000"/>
+              </a:lnSpc>
+            </a:pPr>
+            <a:r>
+              <a:rPr lang="en-US" altLang="zh-CN" sz="3600" kern="1200">
+                <a:solidFill>
+                  <a:srgbClr val="FFFFFF"/>
+                </a:solidFill>
+                <a:latin typeface="+mj-lt"/>
+                <a:ea typeface="+mj-ea"/>
+                <a:cs typeface="+mj-cs"/>
+              </a:rPr>
+              <a:t>Long-Short Term Memory</a:t>
+            </a:r>
+          </a:p>
+        </p:txBody>
+      </p:sp>
+      <p:pic>
+        <p:nvPicPr>
+          <p:cNvPr id="5" name="图片 4" descr="图示&#10;&#10;描述已自动生成">
+            <a:extLst>
+              <a:ext uri="{FF2B5EF4-FFF2-40B4-BE49-F238E27FC236}">
+                <a16:creationId xmlns:a16="http://schemas.microsoft.com/office/drawing/2014/main" id="{34E2FC9F-EC53-699F-8C16-D6D7255EF24A}"/>
+              </a:ext>
+            </a:extLst>
+          </p:cNvPr>
+          <p:cNvPicPr>
+            <a:picLocks noChangeAspect="1"/>
+          </p:cNvPicPr>
+          <p:nvPr/>
+        </p:nvPicPr>
+        <p:blipFill>
+          <a:blip r:embed="rId5" cstate="print">
+            <a:extLst>
+              <a:ext uri="{28A0092B-C50C-407E-A947-70E740481C1C}">
+                <a14:useLocalDpi xmlns:a14="http://schemas.microsoft.com/office/drawing/2010/main" val="0"/>
+              </a:ext>
+            </a:extLst>
+          </a:blip>
+          <a:stretch>
+            <a:fillRect/>
+          </a:stretch>
+        </p:blipFill>
+        <p:spPr>
+          <a:xfrm>
+            <a:off x="4777316" y="1825895"/>
+            <a:ext cx="6780700" cy="3203880"/>
+          </a:xfrm>
+          <a:prstGeom prst="rect">
+            <a:avLst/>
+          </a:prstGeom>
+        </p:spPr>
+      </p:pic>
+    </p:spTree>
+    <p:custDataLst>
+      <p:tags r:id="rId1"/>
+    </p:custDataLst>
+    <p:extLst>
+      <p:ext uri="{BB962C8B-B14F-4D97-AF65-F5344CB8AC3E}">
+        <p14:creationId xmlns:p14="http://schemas.microsoft.com/office/powerpoint/2010/main" val="1346405757"/>
+      </p:ext>
+    </p:extLst>
+  </p:cSld>
+  <p:clrMapOvr>
+    <a:masterClrMapping/>
+  </p:clrMapOvr>
+</p:sld>
+</file>
+
+<file path=ppt/slides/slide7.xml><?xml version="1.0" encoding="utf-8"?>
+<p:sld xmlns:a="http://schemas.openxmlformats.org/drawingml/2006/main" xmlns:r="http://schemas.openxmlformats.org/officeDocument/2006/relationships" xmlns:p="http://schemas.openxmlformats.org/presentationml/2006/main">
+  <p:cSld>
+    <p:bg>
+      <p:bgPr>
+        <a:solidFill>
+          <a:schemeClr val="bg1"/>
+        </a:solidFill>
+        <a:effectLst/>
+      </p:bgPr>
+    </p:bg>
+    <p:spTree>
+      <p:nvGrpSpPr>
+        <p:cNvPr id="1" name=""/>
+        <p:cNvGrpSpPr/>
+        <p:nvPr/>
+      </p:nvGrpSpPr>
+      <p:grpSpPr>
+        <a:xfrm>
+          <a:off x="0" y="0"/>
+          <a:ext cx="0" cy="0"/>
+          <a:chOff x="0" y="0"/>
+          <a:chExt cx="0" cy="0"/>
+        </a:xfrm>
+      </p:grpSpPr>
+      <p:sp>
+        <p:nvSpPr>
+          <p:cNvPr id="10" name="Down Arrow 7">
+            <a:extLst>
+              <a:ext uri="{FF2B5EF4-FFF2-40B4-BE49-F238E27FC236}">
+                <a16:creationId xmlns:a16="http://schemas.microsoft.com/office/drawing/2014/main" id="{D4771268-CB57-404A-9271-370EB28F6090}"/>
+              </a:ext>
+              <a:ext uri="{C183D7F6-B498-43B3-948B-1728B52AA6E4}">
+                <adec:decorative xmlns:adec="http://schemas.microsoft.com/office/drawing/2017/decorative" val="1"/>
+              </a:ext>
+            </a:extLst>
+          </p:cNvPr>
+          <p:cNvSpPr>
+            <a:spLocks noGrp="1" noRot="1" noChangeAspect="1" noMove="1" noResize="1" noEditPoints="1" noAdjustHandles="1" noChangeArrowheads="1" noChangeShapeType="1" noTextEdit="1"/>
+          </p:cNvSpPr>
+          <p:nvPr>
+            <p:extLst>
+              <p:ext uri="{386F3935-93C4-4BCD-93E2-E3B085C9AB24}">
+                <p16:designElem xmlns:p16="http://schemas.microsoft.com/office/powerpoint/2015/main" val="1"/>
+              </p:ext>
+            </p:extLst>
+          </p:nvPr>
+        </p:nvSpPr>
+        <p:spPr>
+          <a:xfrm rot="16200000">
+            <a:off x="800100" y="1491343"/>
+            <a:ext cx="3333749" cy="3499103"/>
+          </a:xfrm>
+          <a:prstGeom prst="downArrow">
+            <a:avLst>
+              <a:gd name="adj1" fmla="val 100000"/>
+              <a:gd name="adj2" fmla="val 15788"/>
+            </a:avLst>
+          </a:prstGeom>
+          <a:solidFill>
+            <a:srgbClr val="404040"/>
+          </a:solidFill>
+          <a:ln w="53975">
+            <a:noFill/>
+          </a:ln>
+        </p:spPr>
+        <p:style>
+          <a:lnRef idx="2">
+            <a:schemeClr val="accent1">
+              <a:shade val="50000"/>
+            </a:schemeClr>
+          </a:lnRef>
+          <a:fillRef idx="1">
+            <a:schemeClr val="accent1"/>
+          </a:fillRef>
+          <a:effectRef idx="0">
+            <a:schemeClr val="accent1"/>
+          </a:effectRef>
+          <a:fontRef idx="minor">
+            <a:schemeClr val="lt1"/>
+          </a:fontRef>
+        </p:style>
+        <p:txBody>
+          <a:bodyPr rtlCol="0" anchor="ctr"/>
+          <a:lstStyle/>
+          <a:p>
+            <a:pPr algn="ctr"/>
+            <a:endParaRPr lang="en-US"/>
+          </a:p>
+        </p:txBody>
+      </p:sp>
+      <p:sp>
+        <p:nvSpPr>
+          <p:cNvPr id="2" name="标题 1"/>
+          <p:cNvSpPr>
+            <a:spLocks noGrp="1"/>
+          </p:cNvSpPr>
+          <p:nvPr>
+            <p:ph type="title"/>
+            <p:custDataLst>
+              <p:tags r:id="rId2"/>
+            </p:custDataLst>
+          </p:nvPr>
+        </p:nvSpPr>
+        <p:spPr>
+          <a:xfrm>
+            <a:off x="1028700" y="1967266"/>
+            <a:ext cx="2628900" cy="2547257"/>
+          </a:xfrm>
+          <a:noFill/>
+        </p:spPr>
+        <p:txBody>
+          <a:bodyPr vert="horz" lIns="91440" tIns="45720" rIns="91440" bIns="45720" rtlCol="0" anchor="ctr">
+            <a:normAutofit/>
+          </a:bodyPr>
+          <a:lstStyle/>
+          <a:p>
+            <a:pPr algn="ctr">
+              <a:lnSpc>
+                <a:spcPct val="90000"/>
+              </a:lnSpc>
+            </a:pPr>
+            <a:r>
+              <a:rPr lang="en-US" altLang="zh-CN" sz="3600" kern="1200">
+                <a:solidFill>
+                  <a:srgbClr val="FFFFFF"/>
+                </a:solidFill>
+                <a:latin typeface="+mj-lt"/>
+                <a:ea typeface="+mj-ea"/>
+                <a:cs typeface="+mj-cs"/>
+              </a:rPr>
+              <a:t>Long-Short Term Memory</a:t>
+            </a:r>
+          </a:p>
+        </p:txBody>
+      </p:sp>
+      <p:pic>
+        <p:nvPicPr>
+          <p:cNvPr id="5" name="图片 4">
+            <a:extLst>
+              <a:ext uri="{FF2B5EF4-FFF2-40B4-BE49-F238E27FC236}">
+                <a16:creationId xmlns:a16="http://schemas.microsoft.com/office/drawing/2014/main" id="{34E2FC9F-EC53-699F-8C16-D6D7255EF24A}"/>
+              </a:ext>
+            </a:extLst>
+          </p:cNvPr>
+          <p:cNvPicPr>
+            <a:picLocks noChangeAspect="1"/>
+          </p:cNvPicPr>
+          <p:nvPr/>
+        </p:nvPicPr>
+        <p:blipFill>
+          <a:blip r:embed="rId5" cstate="print">
+            <a:extLst>
+              <a:ext uri="{28A0092B-C50C-407E-A947-70E740481C1C}">
+                <a14:useLocalDpi xmlns:a14="http://schemas.microsoft.com/office/drawing/2010/main" val="0"/>
+              </a:ext>
+            </a:extLst>
+          </a:blip>
+          <a:srcRect/>
+          <a:stretch/>
+        </p:blipFill>
+        <p:spPr>
+          <a:xfrm>
+            <a:off x="5140985" y="1465676"/>
+            <a:ext cx="6612117" cy="3556596"/>
+          </a:xfrm>
+          <a:prstGeom prst="rect">
+            <a:avLst/>
+          </a:prstGeom>
+        </p:spPr>
+      </p:pic>
+    </p:spTree>
+    <p:custDataLst>
+      <p:tags r:id="rId1"/>
+    </p:custDataLst>
+    <p:extLst>
+      <p:ext uri="{BB962C8B-B14F-4D97-AF65-F5344CB8AC3E}">
+        <p14:creationId xmlns:p14="http://schemas.microsoft.com/office/powerpoint/2010/main" val="473187286"/>
+      </p:ext>
+    </p:extLst>
+  </p:cSld>
+  <p:clrMapOvr>
+    <a:masterClrMapping/>
+  </p:clrMapOvr>
+</p:sld>
+</file>
+
+<file path=ppt/slides/slide8.xml><?xml version="1.0" encoding="utf-8"?>
+<p:sld xmlns:a="http://schemas.openxmlformats.org/drawingml/2006/main" xmlns:r="http://schemas.openxmlformats.org/officeDocument/2006/relationships" xmlns:p="http://schemas.openxmlformats.org/presentationml/2006/main">
+  <p:cSld>
     <p:spTree>
       <p:nvGrpSpPr>
         <p:cNvPr id="1" name=""/>
@@ -9545,7 +10168,7 @@
 </p:sld>
 </file>
 
-<file path=ppt/slides/slide7.xml><?xml version="1.0" encoding="utf-8"?>
+<file path=ppt/slides/slide9.xml><?xml version="1.0" encoding="utf-8"?>
 <p:sld xmlns:a="http://schemas.openxmlformats.org/drawingml/2006/main" xmlns:r="http://schemas.openxmlformats.org/officeDocument/2006/relationships" xmlns:p="http://schemas.openxmlformats.org/presentationml/2006/main">
   <p:cSld>
     <p:spTree>
@@ -10702,6 +11325,50 @@
 </p:tagLst>
 </file>
 
+<file path=ppt/tags/tag158.xml><?xml version="1.0" encoding="utf-8"?>
+<p:tagLst xmlns:a="http://schemas.openxmlformats.org/drawingml/2006/main" xmlns:r="http://schemas.openxmlformats.org/officeDocument/2006/relationships" xmlns:p="http://schemas.openxmlformats.org/presentationml/2006/main">
+  <p:tag name="KSO_WM_SLIDE_SIZE" val="828*457"/>
+  <p:tag name="KSO_WM_SLIDE_POSITION" val="66*28"/>
+  <p:tag name="KSO_WM_SLIDE_LAYOUT_CNT" val="1_1"/>
+  <p:tag name="KSO_WM_SLIDE_LAYOUT" val="a_f"/>
+  <p:tag name="KSO_WM_BEAUTIFY_FLAG" val="#wm#"/>
+  <p:tag name="KSO_WM_SLIDE_TYPE" val="text"/>
+  <p:tag name="KSO_WM_SLIDE_ITEM_CNT" val="0"/>
+  <p:tag name="KSO_WM_TAG_VERSION" val="1.0"/>
+  <p:tag name="KSO_WM_COMBINE_RELATE_SLIDE_ID" val="background20180946_2"/>
+  <p:tag name="KSO_WM_TEMPLATE_CATEGORY" val="custom"/>
+  <p:tag name="KSO_WM_TEMPLATE_INDEX" val="20184566"/>
+  <p:tag name="KSO_WM_SLIDE_ID" val="custom20184566_2"/>
+  <p:tag name="KSO_WM_SLIDE_INDEX" val="2"/>
+  <p:tag name="KSO_WM_TEMPLATE_SUBCATEGORY" val="0"/>
+  <p:tag name="KSO_WM_SLIDE_SUBTYPE" val="pureTxt"/>
+  <p:tag name="KSO_WM_TEMPLATE_MASTER_TYPE" val="1"/>
+  <p:tag name="KSO_WM_TEMPLATE_COLOR_TYPE" val="0"/>
+</p:tagLst>
+</file>
+
+<file path=ppt/tags/tag159.xml><?xml version="1.0" encoding="utf-8"?>
+<p:tagLst xmlns:a="http://schemas.openxmlformats.org/drawingml/2006/main" xmlns:r="http://schemas.openxmlformats.org/officeDocument/2006/relationships" xmlns:p="http://schemas.openxmlformats.org/presentationml/2006/main">
+  <p:tag name="KSO_WM_TEMPLATE_CATEGORY" val="custom"/>
+  <p:tag name="KSO_WM_TEMPLATE_INDEX" val="20184566"/>
+  <p:tag name="KSO_WM_TAG_VERSION" val="1.0"/>
+  <p:tag name="KSO_WM_BEAUTIFY_FLAG" val="#wm#"/>
+  <p:tag name="KSO_WM_UNIT_COMPATIBLE" val="0"/>
+  <p:tag name="KSO_WM_UNIT_HIGHLIGHT" val="0"/>
+  <p:tag name="KSO_WM_UNIT_ISCONTENTSTITLE" val="0"/>
+  <p:tag name="KSO_WM_UNIT_VALUE" val="22"/>
+  <p:tag name="KSO_WM_UNIT_LAYERLEVEL" val="1"/>
+  <p:tag name="KSO_WM_UNIT_INDEX" val="1"/>
+  <p:tag name="KSO_WM_UNIT_TYPE" val="a"/>
+  <p:tag name="KSO_WM_UNIT_ID" val="custom20184566_2*a*1"/>
+  <p:tag name="KSO_WM_UNIT_PRESET_TEXT" val="LOREM IPSUM DOLOR"/>
+  <p:tag name="KSO_WM_UNIT_NOCLEAR" val="0"/>
+  <p:tag name="KSO_WM_UNIT_DIAGRAM_ISNUMVISUAL" val="0"/>
+  <p:tag name="KSO_WM_UNIT_DIAGRAM_ISREFERUNIT" val="0"/>
+  <p:tag name="KSO_WM_UNIT_ISNUMDGMTITLE" val="0"/>
+</p:tagLst>
+</file>
+
 <file path=ppt/tags/tag16.xml><?xml version="1.0" encoding="utf-8"?>
 <p:tagLst xmlns:a="http://schemas.openxmlformats.org/drawingml/2006/main" xmlns:r="http://schemas.openxmlformats.org/officeDocument/2006/relationships" xmlns:p="http://schemas.openxmlformats.org/presentationml/2006/main">
   <p:tag name="KSO_WM_UNIT_HIGHLIGHT" val="0"/>
@@ -10712,6 +11379,50 @@
   <p:tag name="KSO_WM_UNIT_LAYERLEVEL" val="1"/>
   <p:tag name="KSO_WM_TAG_VERSION" val="1.0"/>
   <p:tag name="KSO_WM_BEAUTIFY_FLAG" val="#wm#"/>
+</p:tagLst>
+</file>
+
+<file path=ppt/tags/tag160.xml><?xml version="1.0" encoding="utf-8"?>
+<p:tagLst xmlns:a="http://schemas.openxmlformats.org/drawingml/2006/main" xmlns:r="http://schemas.openxmlformats.org/officeDocument/2006/relationships" xmlns:p="http://schemas.openxmlformats.org/presentationml/2006/main">
+  <p:tag name="KSO_WM_SLIDE_SIZE" val="828*457"/>
+  <p:tag name="KSO_WM_SLIDE_POSITION" val="66*28"/>
+  <p:tag name="KSO_WM_SLIDE_LAYOUT_CNT" val="1_1"/>
+  <p:tag name="KSO_WM_SLIDE_LAYOUT" val="a_f"/>
+  <p:tag name="KSO_WM_BEAUTIFY_FLAG" val="#wm#"/>
+  <p:tag name="KSO_WM_SLIDE_TYPE" val="text"/>
+  <p:tag name="KSO_WM_SLIDE_ITEM_CNT" val="0"/>
+  <p:tag name="KSO_WM_TAG_VERSION" val="1.0"/>
+  <p:tag name="KSO_WM_COMBINE_RELATE_SLIDE_ID" val="background20180946_2"/>
+  <p:tag name="KSO_WM_TEMPLATE_CATEGORY" val="custom"/>
+  <p:tag name="KSO_WM_TEMPLATE_INDEX" val="20184566"/>
+  <p:tag name="KSO_WM_SLIDE_ID" val="custom20184566_2"/>
+  <p:tag name="KSO_WM_SLIDE_INDEX" val="2"/>
+  <p:tag name="KSO_WM_TEMPLATE_SUBCATEGORY" val="0"/>
+  <p:tag name="KSO_WM_SLIDE_SUBTYPE" val="pureTxt"/>
+  <p:tag name="KSO_WM_TEMPLATE_MASTER_TYPE" val="1"/>
+  <p:tag name="KSO_WM_TEMPLATE_COLOR_TYPE" val="0"/>
+</p:tagLst>
+</file>
+
+<file path=ppt/tags/tag161.xml><?xml version="1.0" encoding="utf-8"?>
+<p:tagLst xmlns:a="http://schemas.openxmlformats.org/drawingml/2006/main" xmlns:r="http://schemas.openxmlformats.org/officeDocument/2006/relationships" xmlns:p="http://schemas.openxmlformats.org/presentationml/2006/main">
+  <p:tag name="KSO_WM_TEMPLATE_CATEGORY" val="custom"/>
+  <p:tag name="KSO_WM_TEMPLATE_INDEX" val="20184566"/>
+  <p:tag name="KSO_WM_TAG_VERSION" val="1.0"/>
+  <p:tag name="KSO_WM_BEAUTIFY_FLAG" val="#wm#"/>
+  <p:tag name="KSO_WM_UNIT_COMPATIBLE" val="0"/>
+  <p:tag name="KSO_WM_UNIT_HIGHLIGHT" val="0"/>
+  <p:tag name="KSO_WM_UNIT_ISCONTENTSTITLE" val="0"/>
+  <p:tag name="KSO_WM_UNIT_VALUE" val="22"/>
+  <p:tag name="KSO_WM_UNIT_LAYERLEVEL" val="1"/>
+  <p:tag name="KSO_WM_UNIT_INDEX" val="1"/>
+  <p:tag name="KSO_WM_UNIT_TYPE" val="a"/>
+  <p:tag name="KSO_WM_UNIT_ID" val="custom20184566_2*a*1"/>
+  <p:tag name="KSO_WM_UNIT_PRESET_TEXT" val="LOREM IPSUM DOLOR"/>
+  <p:tag name="KSO_WM_UNIT_NOCLEAR" val="0"/>
+  <p:tag name="KSO_WM_UNIT_DIAGRAM_ISNUMVISUAL" val="0"/>
+  <p:tag name="KSO_WM_UNIT_DIAGRAM_ISREFERUNIT" val="0"/>
+  <p:tag name="KSO_WM_UNIT_ISNUMDGMTITLE" val="0"/>
 </p:tagLst>
 </file>
 
